--- a/git.pptx
+++ b/git.pptx
@@ -6248,7 +6248,7 @@
             </a:pPr>
             <a:r>
               <a:rPr lang="en-US" dirty="0"/>
-              <a:t>Navigate to your Documents directory in command shell</a:t>
+              <a:t>Navigate to your Documents directory in command line</a:t>
             </a:r>
           </a:p>
           <a:p>
@@ -6308,19 +6308,15 @@
             </a:pPr>
             <a:r>
               <a:rPr lang="en-US" dirty="0"/>
-              <a:t>Navigate to “</a:t>
+              <a:t>Navigate to the “</a:t>
             </a:r>
             <a:r>
               <a:rPr lang="en-US" dirty="0" err="1"/>
               <a:t>cba</a:t>
             </a:r>
             <a:r>
-              <a:rPr lang="en-US"/>
-              <a:t>-git-tutorial” </a:t>
-            </a:r>
-            <a:r>
               <a:rPr lang="en-US" dirty="0"/>
-              <a:t>folder in command shell</a:t>
+              <a:t>-git-tutorial” folder in command line</a:t>
             </a:r>
           </a:p>
           <a:p>
@@ -6328,6 +6324,60 @@
               <a:buFont typeface="+mj-lt"/>
               <a:buAutoNum type="arabicPeriod" startAt="2"/>
             </a:pPr>
+            <a:r>
+              <a:rPr lang="en-US" dirty="0"/>
+              <a:t>Open “animals.txt,” type your favorite animal, and save</a:t>
+            </a:r>
+          </a:p>
+          <a:p>
+            <a:pPr marL="514350" indent="-514350">
+              <a:buFont typeface="+mj-lt"/>
+              <a:buAutoNum type="arabicPeriod" startAt="2"/>
+            </a:pPr>
+            <a:r>
+              <a:rPr lang="en-US" dirty="0"/>
+              <a:t>In command line, type:</a:t>
+            </a:r>
+          </a:p>
+          <a:p>
+            <a:pPr marL="971550" lvl="1" indent="-514350">
+              <a:buFont typeface="+mj-lt"/>
+              <a:buAutoNum type="arabicPeriod" startAt="2"/>
+            </a:pPr>
+            <a:r>
+              <a:rPr lang="en-US" dirty="0"/>
+              <a:t>git pull</a:t>
+            </a:r>
+          </a:p>
+          <a:p>
+            <a:pPr marL="971550" lvl="1" indent="-514350">
+              <a:buFont typeface="+mj-lt"/>
+              <a:buAutoNum type="arabicPeriod" startAt="2"/>
+            </a:pPr>
+            <a:r>
+              <a:rPr lang="en-US" dirty="0"/>
+              <a:t>git add animals.txt</a:t>
+            </a:r>
+          </a:p>
+          <a:p>
+            <a:pPr marL="971550" lvl="1" indent="-514350">
+              <a:buFont typeface="+mj-lt"/>
+              <a:buAutoNum type="arabicPeriod" startAt="2"/>
+            </a:pPr>
+            <a:r>
+              <a:rPr lang="en-US" dirty="0"/>
+              <a:t>git commit –m “&lt;your name&gt;”</a:t>
+            </a:r>
+          </a:p>
+          <a:p>
+            <a:pPr marL="971550" lvl="1" indent="-514350">
+              <a:buFont typeface="+mj-lt"/>
+              <a:buAutoNum type="arabicPeriod" startAt="2"/>
+            </a:pPr>
+            <a:r>
+              <a:rPr lang="en-US"/>
+              <a:t>git push</a:t>
+            </a:r>
             <a:endParaRPr lang="en-US" dirty="0"/>
           </a:p>
         </p:txBody>

--- a/git.pptx
+++ b/git.pptx
@@ -6340,9 +6340,29 @@
             </a:r>
           </a:p>
           <a:p>
-            <a:pPr marL="971550" lvl="1" indent="-514350">
+            <a:pPr marL="914400" lvl="1" indent="-457200">
               <a:buFont typeface="+mj-lt"/>
-              <a:buAutoNum type="arabicPeriod" startAt="2"/>
+              <a:buAutoNum type="arabicPeriod"/>
+            </a:pPr>
+            <a:r>
+              <a:rPr lang="en-US" dirty="0"/>
+              <a:t>git add animals.txt</a:t>
+            </a:r>
+          </a:p>
+          <a:p>
+            <a:pPr marL="914400" lvl="1" indent="-457200">
+              <a:buFont typeface="+mj-lt"/>
+              <a:buAutoNum type="arabicPeriod"/>
+            </a:pPr>
+            <a:r>
+              <a:rPr lang="en-US" dirty="0"/>
+              <a:t>git commit –m “&lt;your name&gt;”</a:t>
+            </a:r>
+          </a:p>
+          <a:p>
+            <a:pPr marL="914400" lvl="1" indent="-457200">
+              <a:buFont typeface="+mj-lt"/>
+              <a:buAutoNum type="arabicPeriod"/>
             </a:pPr>
             <a:r>
               <a:rPr lang="en-US" dirty="0"/>
@@ -6350,35 +6370,14 @@
             </a:r>
           </a:p>
           <a:p>
-            <a:pPr marL="971550" lvl="1" indent="-514350">
+            <a:pPr marL="914400" lvl="1" indent="-457200">
               <a:buFont typeface="+mj-lt"/>
-              <a:buAutoNum type="arabicPeriod" startAt="2"/>
+              <a:buAutoNum type="arabicPeriod"/>
             </a:pPr>
             <a:r>
               <a:rPr lang="en-US" dirty="0"/>
-              <a:t>git add animals.txt</a:t>
-            </a:r>
-          </a:p>
-          <a:p>
-            <a:pPr marL="971550" lvl="1" indent="-514350">
-              <a:buFont typeface="+mj-lt"/>
-              <a:buAutoNum type="arabicPeriod" startAt="2"/>
-            </a:pPr>
-            <a:r>
-              <a:rPr lang="en-US" dirty="0"/>
-              <a:t>git commit –m “&lt;your name&gt;”</a:t>
-            </a:r>
-          </a:p>
-          <a:p>
-            <a:pPr marL="971550" lvl="1" indent="-514350">
-              <a:buFont typeface="+mj-lt"/>
-              <a:buAutoNum type="arabicPeriod" startAt="2"/>
-            </a:pPr>
-            <a:r>
-              <a:rPr lang="en-US"/>
               <a:t>git push</a:t>
             </a:r>
-            <a:endParaRPr lang="en-US" dirty="0"/>
           </a:p>
         </p:txBody>
       </p:sp>

--- a/git.pptx
+++ b/git.pptx
@@ -780,6 +780,90 @@
     <p:extLst>
       <p:ext uri="{BB962C8B-B14F-4D97-AF65-F5344CB8AC3E}">
         <p14:creationId xmlns:p14="http://schemas.microsoft.com/office/powerpoint/2010/main" val="452559505"/>
+      </p:ext>
+    </p:extLst>
+  </p:cSld>
+  <p:clrMapOvr>
+    <a:masterClrMapping/>
+  </p:clrMapOvr>
+</p:notes>
+</file>
+
+<file path=ppt/notesSlides/notesSlide4.xml><?xml version="1.0" encoding="utf-8"?>
+<p:notes xmlns:a="http://schemas.openxmlformats.org/drawingml/2006/main" xmlns:r="http://schemas.openxmlformats.org/officeDocument/2006/relationships" xmlns:p="http://schemas.openxmlformats.org/presentationml/2006/main">
+  <p:cSld>
+    <p:spTree>
+      <p:nvGrpSpPr>
+        <p:cNvPr id="1" name=""/>
+        <p:cNvGrpSpPr/>
+        <p:nvPr/>
+      </p:nvGrpSpPr>
+      <p:grpSpPr>
+        <a:xfrm>
+          <a:off x="0" y="0"/>
+          <a:ext cx="0" cy="0"/>
+          <a:chOff x="0" y="0"/>
+          <a:chExt cx="0" cy="0"/>
+        </a:xfrm>
+      </p:grpSpPr>
+      <p:sp>
+        <p:nvSpPr>
+          <p:cNvPr id="2" name="Slide Image Placeholder 1"/>
+          <p:cNvSpPr>
+            <a:spLocks noGrp="1" noRot="1" noChangeAspect="1"/>
+          </p:cNvSpPr>
+          <p:nvPr>
+            <p:ph type="sldImg"/>
+          </p:nvPr>
+        </p:nvSpPr>
+        <p:spPr/>
+      </p:sp>
+      <p:sp>
+        <p:nvSpPr>
+          <p:cNvPr id="3" name="Notes Placeholder 2"/>
+          <p:cNvSpPr>
+            <a:spLocks noGrp="1"/>
+          </p:cNvSpPr>
+          <p:nvPr>
+            <p:ph type="body" idx="1"/>
+          </p:nvPr>
+        </p:nvSpPr>
+        <p:spPr/>
+        <p:txBody>
+          <a:bodyPr/>
+          <a:lstStyle/>
+          <a:p>
+            <a:endParaRPr lang="en-US" dirty="0"/>
+          </a:p>
+        </p:txBody>
+      </p:sp>
+      <p:sp>
+        <p:nvSpPr>
+          <p:cNvPr id="4" name="Slide Number Placeholder 3"/>
+          <p:cNvSpPr>
+            <a:spLocks noGrp="1"/>
+          </p:cNvSpPr>
+          <p:nvPr>
+            <p:ph type="sldNum" sz="quarter" idx="5"/>
+          </p:nvPr>
+        </p:nvSpPr>
+        <p:spPr/>
+        <p:txBody>
+          <a:bodyPr/>
+          <a:lstStyle/>
+          <a:p>
+            <a:fld id="{67BD34EA-483A-2A4E-B788-0A151CECFF8C}" type="slidenum">
+              <a:rPr lang="en-US" smtClean="0"/>
+              <a:t>14</a:t>
+            </a:fld>
+            <a:endParaRPr lang="en-US"/>
+          </a:p>
+        </p:txBody>
+      </p:sp>
+    </p:spTree>
+    <p:extLst>
+      <p:ext uri="{BB962C8B-B14F-4D97-AF65-F5344CB8AC3E}">
+        <p14:creationId xmlns:p14="http://schemas.microsoft.com/office/powerpoint/2010/main" val="1807979610"/>
       </p:ext>
     </p:extLst>
   </p:cSld>
@@ -6217,7 +6301,10 @@
           <a:bodyPr/>
           <a:lstStyle/>
           <a:p>
-            <a:endParaRPr lang="en-US"/>
+            <a:r>
+              <a:rPr lang="en-US" dirty="0"/>
+              <a:t>Exercise</a:t>
+            </a:r>
           </a:p>
         </p:txBody>
       </p:sp>
@@ -6269,28 +6356,28 @@
             <a:r>
               <a:rPr lang="en-US" sz="2000" dirty="0">
                 <a:latin typeface="Consolas" panose="020B0609020204030204" pitchFamily="49" charset="0"/>
-                <a:hlinkClick r:id="rId2"/>
+                <a:hlinkClick r:id="rId3"/>
               </a:rPr>
               <a:t>https://github.com/samhu1/</a:t>
             </a:r>
             <a:r>
               <a:rPr lang="en-US" sz="2000" dirty="0" err="1">
                 <a:latin typeface="Consolas" panose="020B0609020204030204" pitchFamily="49" charset="0"/>
-                <a:hlinkClick r:id="rId2"/>
+                <a:hlinkClick r:id="rId3"/>
               </a:rPr>
               <a:t>cba</a:t>
             </a:r>
             <a:r>
               <a:rPr lang="en-US" sz="2000" dirty="0">
                 <a:latin typeface="Consolas" panose="020B0609020204030204" pitchFamily="49" charset="0"/>
-                <a:hlinkClick r:id="rId2"/>
+                <a:hlinkClick r:id="rId3"/>
               </a:rPr>
               <a:t>-git-</a:t>
             </a:r>
             <a:r>
               <a:rPr lang="en-US" sz="2000" dirty="0" err="1">
                 <a:latin typeface="Consolas" panose="020B0609020204030204" pitchFamily="49" charset="0"/>
-                <a:hlinkClick r:id="rId2"/>
+                <a:hlinkClick r:id="rId3"/>
               </a:rPr>
               <a:t>tutorial.git</a:t>
             </a:r>
@@ -6311,12 +6398,20 @@
               <a:t>Navigate to the “</a:t>
             </a:r>
             <a:r>
-              <a:rPr lang="en-US" dirty="0" err="1"/>
+              <a:rPr lang="en-US" sz="2000" dirty="0" err="1">
+                <a:latin typeface="Consolas" panose="020B0609020204030204" pitchFamily="49" charset="0"/>
+              </a:rPr>
               <a:t>cba</a:t>
             </a:r>
             <a:r>
+              <a:rPr lang="en-US" sz="2000" dirty="0">
+                <a:latin typeface="Consolas" panose="020B0609020204030204" pitchFamily="49" charset="0"/>
+              </a:rPr>
+              <a:t>-git-tutorial</a:t>
+            </a:r>
+            <a:r>
               <a:rPr lang="en-US" dirty="0"/>
-              <a:t>-git-tutorial” folder in command line</a:t>
+              <a:t>” folder in command line</a:t>
             </a:r>
           </a:p>
           <a:p>
@@ -6326,7 +6421,17 @@
             </a:pPr>
             <a:r>
               <a:rPr lang="en-US" dirty="0"/>
-              <a:t>Open “animals.txt,” type your favorite animal, and save</a:t>
+              <a:t>Open “</a:t>
+            </a:r>
+            <a:r>
+              <a:rPr lang="en-US" sz="2000" dirty="0">
+                <a:latin typeface="Consolas" panose="020B0609020204030204" pitchFamily="49" charset="0"/>
+              </a:rPr>
+              <a:t>animals.txt</a:t>
+            </a:r>
+            <a:r>
+              <a:rPr lang="en-US" dirty="0"/>
+              <a:t>,” type your favorite animal, and save</a:t>
             </a:r>
           </a:p>
           <a:p>
@@ -6345,7 +6450,9 @@
               <a:buAutoNum type="arabicPeriod"/>
             </a:pPr>
             <a:r>
-              <a:rPr lang="en-US" dirty="0"/>
+              <a:rPr lang="en-US" dirty="0">
+                <a:latin typeface="Consolas" panose="020B0609020204030204" pitchFamily="49" charset="0"/>
+              </a:rPr>
               <a:t>git add animals.txt</a:t>
             </a:r>
           </a:p>
@@ -6355,7 +6462,9 @@
               <a:buAutoNum type="arabicPeriod"/>
             </a:pPr>
             <a:r>
-              <a:rPr lang="en-US" dirty="0"/>
+              <a:rPr lang="en-US" dirty="0">
+                <a:latin typeface="Consolas" panose="020B0609020204030204" pitchFamily="49" charset="0"/>
+              </a:rPr>
               <a:t>git commit –m “&lt;your name&gt;”</a:t>
             </a:r>
           </a:p>
@@ -6365,7 +6474,9 @@
               <a:buAutoNum type="arabicPeriod"/>
             </a:pPr>
             <a:r>
-              <a:rPr lang="en-US" dirty="0"/>
+              <a:rPr lang="en-US" dirty="0">
+                <a:latin typeface="Consolas" panose="020B0609020204030204" pitchFamily="49" charset="0"/>
+              </a:rPr>
               <a:t>git pull</a:t>
             </a:r>
           </a:p>
@@ -6375,8 +6486,67 @@
               <a:buAutoNum type="arabicPeriod"/>
             </a:pPr>
             <a:r>
+              <a:rPr lang="en-US" dirty="0">
+                <a:latin typeface="Consolas" panose="020B0609020204030204" pitchFamily="49" charset="0"/>
+              </a:rPr>
+              <a:t>git push</a:t>
+            </a:r>
+          </a:p>
+        </p:txBody>
+      </p:sp>
+      <p:sp>
+        <p:nvSpPr>
+          <p:cNvPr id="4" name="TextBox 3">
+            <a:extLst>
+              <a:ext uri="{FF2B5EF4-FFF2-40B4-BE49-F238E27FC236}">
+                <a16:creationId xmlns:a16="http://schemas.microsoft.com/office/drawing/2014/main" id="{6453BF18-4275-4BEF-B555-F59D42622160}"/>
+              </a:ext>
+            </a:extLst>
+          </p:cNvPr>
+          <p:cNvSpPr txBox="1"/>
+          <p:nvPr/>
+        </p:nvSpPr>
+        <p:spPr>
+          <a:xfrm>
+            <a:off x="4992413" y="5523187"/>
+            <a:ext cx="6300507" cy="369332"/>
+          </a:xfrm>
+          <a:prstGeom prst="rect">
+            <a:avLst/>
+          </a:prstGeom>
+          <a:noFill/>
+        </p:spPr>
+        <p:txBody>
+          <a:bodyPr wrap="none" rtlCol="0">
+            <a:spAutoFit/>
+          </a:bodyPr>
+          <a:lstStyle/>
+          <a:p>
+            <a:r>
               <a:rPr lang="en-US" dirty="0"/>
-              <a:t>git push</a:t>
+              <a:t>Get an error? </a:t>
+            </a:r>
+            <a:r>
+              <a:rPr lang="en-US" sz="1600" dirty="0">
+                <a:latin typeface="Consolas" panose="020B0609020204030204" pitchFamily="49" charset="0"/>
+              </a:rPr>
+              <a:t>git </a:t>
+            </a:r>
+            <a:r>
+              <a:rPr lang="en-US" sz="1600">
+                <a:latin typeface="Consolas" panose="020B0609020204030204" pitchFamily="49" charset="0"/>
+              </a:rPr>
+              <a:t>reset –-hard </a:t>
+            </a:r>
+            <a:r>
+              <a:rPr lang="en-US" sz="1600" dirty="0">
+                <a:latin typeface="Consolas" panose="020B0609020204030204" pitchFamily="49" charset="0"/>
+              </a:rPr>
+              <a:t>origin/master </a:t>
+            </a:r>
+            <a:r>
+              <a:rPr lang="en-US" dirty="0"/>
+              <a:t>and try again!</a:t>
             </a:r>
           </a:p>
         </p:txBody>

--- a/git.pptx
+++ b/git.pptx
@@ -5,7 +5,7 @@
     <p:sldMasterId id="2147483648" r:id="rId1"/>
   </p:sldMasterIdLst>
   <p:notesMasterIdLst>
-    <p:notesMasterId r:id="rId16"/>
+    <p:notesMasterId r:id="rId19"/>
   </p:notesMasterIdLst>
   <p:sldIdLst>
     <p:sldId id="256" r:id="rId2"/>
@@ -17,11 +17,14 @@
     <p:sldId id="268" r:id="rId8"/>
     <p:sldId id="267" r:id="rId9"/>
     <p:sldId id="269" r:id="rId10"/>
-    <p:sldId id="271" r:id="rId11"/>
-    <p:sldId id="272" r:id="rId12"/>
-    <p:sldId id="270" r:id="rId13"/>
-    <p:sldId id="273" r:id="rId14"/>
-    <p:sldId id="274" r:id="rId15"/>
+    <p:sldId id="276" r:id="rId11"/>
+    <p:sldId id="277" r:id="rId12"/>
+    <p:sldId id="271" r:id="rId13"/>
+    <p:sldId id="272" r:id="rId14"/>
+    <p:sldId id="270" r:id="rId15"/>
+    <p:sldId id="273" r:id="rId16"/>
+    <p:sldId id="274" r:id="rId17"/>
+    <p:sldId id="275" r:id="rId18"/>
   </p:sldIdLst>
   <p:sldSz cx="12192000" cy="6858000"/>
   <p:notesSz cx="6858000" cy="9144000"/>
@@ -236,7 +239,7 @@
           <a:p>
             <a:fld id="{098F8BB0-D5AE-9A47-B45B-13D2A07258FF}" type="datetimeFigureOut">
               <a:rPr lang="en-US" smtClean="0"/>
-              <a:t>3/11/2019</a:t>
+              <a:t>3/12/2019</a:t>
             </a:fld>
             <a:endParaRPr lang="en-US"/>
           </a:p>
@@ -770,7 +773,7 @@
           <a:p>
             <a:fld id="{67BD34EA-483A-2A4E-B788-0A151CECFF8C}" type="slidenum">
               <a:rPr lang="en-US" smtClean="0"/>
-              <a:t>11</a:t>
+              <a:t>10</a:t>
             </a:fld>
             <a:endParaRPr lang="en-US"/>
           </a:p>
@@ -779,7 +782,7 @@
     </p:spTree>
     <p:extLst>
       <p:ext uri="{BB962C8B-B14F-4D97-AF65-F5344CB8AC3E}">
-        <p14:creationId xmlns:p14="http://schemas.microsoft.com/office/powerpoint/2010/main" val="452559505"/>
+        <p14:creationId xmlns:p14="http://schemas.microsoft.com/office/powerpoint/2010/main" val="1667714254"/>
       </p:ext>
     </p:extLst>
   </p:cSld>
@@ -854,7 +857,91 @@
           <a:p>
             <a:fld id="{67BD34EA-483A-2A4E-B788-0A151CECFF8C}" type="slidenum">
               <a:rPr lang="en-US" smtClean="0"/>
-              <a:t>14</a:t>
+              <a:t>13</a:t>
+            </a:fld>
+            <a:endParaRPr lang="en-US"/>
+          </a:p>
+        </p:txBody>
+      </p:sp>
+    </p:spTree>
+    <p:extLst>
+      <p:ext uri="{BB962C8B-B14F-4D97-AF65-F5344CB8AC3E}">
+        <p14:creationId xmlns:p14="http://schemas.microsoft.com/office/powerpoint/2010/main" val="452559505"/>
+      </p:ext>
+    </p:extLst>
+  </p:cSld>
+  <p:clrMapOvr>
+    <a:masterClrMapping/>
+  </p:clrMapOvr>
+</p:notes>
+</file>
+
+<file path=ppt/notesSlides/notesSlide5.xml><?xml version="1.0" encoding="utf-8"?>
+<p:notes xmlns:a="http://schemas.openxmlformats.org/drawingml/2006/main" xmlns:r="http://schemas.openxmlformats.org/officeDocument/2006/relationships" xmlns:p="http://schemas.openxmlformats.org/presentationml/2006/main">
+  <p:cSld>
+    <p:spTree>
+      <p:nvGrpSpPr>
+        <p:cNvPr id="1" name=""/>
+        <p:cNvGrpSpPr/>
+        <p:nvPr/>
+      </p:nvGrpSpPr>
+      <p:grpSpPr>
+        <a:xfrm>
+          <a:off x="0" y="0"/>
+          <a:ext cx="0" cy="0"/>
+          <a:chOff x="0" y="0"/>
+          <a:chExt cx="0" cy="0"/>
+        </a:xfrm>
+      </p:grpSpPr>
+      <p:sp>
+        <p:nvSpPr>
+          <p:cNvPr id="2" name="Slide Image Placeholder 1"/>
+          <p:cNvSpPr>
+            <a:spLocks noGrp="1" noRot="1" noChangeAspect="1"/>
+          </p:cNvSpPr>
+          <p:nvPr>
+            <p:ph type="sldImg"/>
+          </p:nvPr>
+        </p:nvSpPr>
+        <p:spPr/>
+      </p:sp>
+      <p:sp>
+        <p:nvSpPr>
+          <p:cNvPr id="3" name="Notes Placeholder 2"/>
+          <p:cNvSpPr>
+            <a:spLocks noGrp="1"/>
+          </p:cNvSpPr>
+          <p:nvPr>
+            <p:ph type="body" idx="1"/>
+          </p:nvPr>
+        </p:nvSpPr>
+        <p:spPr/>
+        <p:txBody>
+          <a:bodyPr/>
+          <a:lstStyle/>
+          <a:p>
+            <a:endParaRPr lang="en-US" dirty="0"/>
+          </a:p>
+        </p:txBody>
+      </p:sp>
+      <p:sp>
+        <p:nvSpPr>
+          <p:cNvPr id="4" name="Slide Number Placeholder 3"/>
+          <p:cNvSpPr>
+            <a:spLocks noGrp="1"/>
+          </p:cNvSpPr>
+          <p:nvPr>
+            <p:ph type="sldNum" sz="quarter" idx="5"/>
+          </p:nvPr>
+        </p:nvSpPr>
+        <p:spPr/>
+        <p:txBody>
+          <a:bodyPr/>
+          <a:lstStyle/>
+          <a:p>
+            <a:fld id="{67BD34EA-483A-2A4E-B788-0A151CECFF8C}" type="slidenum">
+              <a:rPr lang="en-US" smtClean="0"/>
+              <a:t>16</a:t>
             </a:fld>
             <a:endParaRPr lang="en-US"/>
           </a:p>
@@ -907,7 +994,7 @@
           <a:p>
             <a:fld id="{C4F37852-4494-FE4E-9C23-42AF147C9700}" type="datetimeFigureOut">
               <a:rPr lang="en-US" smtClean="0"/>
-              <a:t>3/11/2019</a:t>
+              <a:t>3/12/2019</a:t>
             </a:fld>
             <a:endParaRPr lang="en-US"/>
           </a:p>
@@ -1170,7 +1257,7 @@
           <a:p>
             <a:fld id="{C4F37852-4494-FE4E-9C23-42AF147C9700}" type="datetimeFigureOut">
               <a:rPr lang="en-US" smtClean="0"/>
-              <a:t>3/11/2019</a:t>
+              <a:t>3/12/2019</a:t>
             </a:fld>
             <a:endParaRPr lang="en-US"/>
           </a:p>
@@ -1348,7 +1435,7 @@
           <a:p>
             <a:fld id="{C4F37852-4494-FE4E-9C23-42AF147C9700}" type="datetimeFigureOut">
               <a:rPr lang="en-US" smtClean="0"/>
-              <a:t>3/11/2019</a:t>
+              <a:t>3/12/2019</a:t>
             </a:fld>
             <a:endParaRPr lang="en-US"/>
           </a:p>
@@ -1516,7 +1603,7 @@
           <a:p>
             <a:fld id="{C4F37852-4494-FE4E-9C23-42AF147C9700}" type="datetimeFigureOut">
               <a:rPr lang="en-US" smtClean="0"/>
-              <a:t>3/11/2019</a:t>
+              <a:t>3/12/2019</a:t>
             </a:fld>
             <a:endParaRPr lang="en-US"/>
           </a:p>
@@ -1761,7 +1848,7 @@
           <a:p>
             <a:fld id="{C4F37852-4494-FE4E-9C23-42AF147C9700}" type="datetimeFigureOut">
               <a:rPr lang="en-US" smtClean="0"/>
-              <a:t>3/11/2019</a:t>
+              <a:t>3/12/2019</a:t>
             </a:fld>
             <a:endParaRPr lang="en-US"/>
           </a:p>
@@ -1990,7 +2077,7 @@
           <a:p>
             <a:fld id="{C4F37852-4494-FE4E-9C23-42AF147C9700}" type="datetimeFigureOut">
               <a:rPr lang="en-US" smtClean="0"/>
-              <a:t>3/11/2019</a:t>
+              <a:t>3/12/2019</a:t>
             </a:fld>
             <a:endParaRPr lang="en-US"/>
           </a:p>
@@ -2354,7 +2441,7 @@
           <a:p>
             <a:fld id="{C4F37852-4494-FE4E-9C23-42AF147C9700}" type="datetimeFigureOut">
               <a:rPr lang="en-US" smtClean="0"/>
-              <a:t>3/11/2019</a:t>
+              <a:t>3/12/2019</a:t>
             </a:fld>
             <a:endParaRPr lang="en-US"/>
           </a:p>
@@ -2471,7 +2558,7 @@
           <a:p>
             <a:fld id="{C4F37852-4494-FE4E-9C23-42AF147C9700}" type="datetimeFigureOut">
               <a:rPr lang="en-US" smtClean="0"/>
-              <a:t>3/11/2019</a:t>
+              <a:t>3/12/2019</a:t>
             </a:fld>
             <a:endParaRPr lang="en-US"/>
           </a:p>
@@ -2566,7 +2653,7 @@
           <a:p>
             <a:fld id="{C4F37852-4494-FE4E-9C23-42AF147C9700}" type="datetimeFigureOut">
               <a:rPr lang="en-US" smtClean="0"/>
-              <a:t>3/11/2019</a:t>
+              <a:t>3/12/2019</a:t>
             </a:fld>
             <a:endParaRPr lang="en-US"/>
           </a:p>
@@ -2841,7 +2928,7 @@
           <a:p>
             <a:fld id="{C4F37852-4494-FE4E-9C23-42AF147C9700}" type="datetimeFigureOut">
               <a:rPr lang="en-US" smtClean="0"/>
-              <a:t>3/11/2019</a:t>
+              <a:t>3/12/2019</a:t>
             </a:fld>
             <a:endParaRPr lang="en-US"/>
           </a:p>
@@ -3093,7 +3180,7 @@
           <a:p>
             <a:fld id="{C4F37852-4494-FE4E-9C23-42AF147C9700}" type="datetimeFigureOut">
               <a:rPr lang="en-US" smtClean="0"/>
-              <a:t>3/11/2019</a:t>
+              <a:t>3/12/2019</a:t>
             </a:fld>
             <a:endParaRPr lang="en-US"/>
           </a:p>
@@ -3304,7 +3391,7 @@
           <a:p>
             <a:fld id="{C4F37852-4494-FE4E-9C23-42AF147C9700}" type="datetimeFigureOut">
               <a:rPr lang="en-US" smtClean="0"/>
-              <a:t>3/11/2019</a:t>
+              <a:t>3/12/2019</a:t>
             </a:fld>
             <a:endParaRPr lang="en-US"/>
           </a:p>
@@ -4045,6 +4132,178 @@
           <p:cNvPr id="2" name="Title 1">
             <a:extLst>
               <a:ext uri="{FF2B5EF4-FFF2-40B4-BE49-F238E27FC236}">
+                <a16:creationId xmlns:a16="http://schemas.microsoft.com/office/drawing/2014/main" id="{08CD0244-9883-4A55-A904-6E1F8D9705A6}"/>
+              </a:ext>
+            </a:extLst>
+          </p:cNvPr>
+          <p:cNvSpPr>
+            <a:spLocks noGrp="1"/>
+          </p:cNvSpPr>
+          <p:nvPr>
+            <p:ph type="title"/>
+          </p:nvPr>
+        </p:nvSpPr>
+        <p:spPr/>
+        <p:txBody>
+          <a:bodyPr/>
+          <a:lstStyle/>
+          <a:p>
+            <a:r>
+              <a:rPr lang="en-US" dirty="0">
+                <a:latin typeface="Consolas" panose="020B0609020204030204" pitchFamily="49" charset="0"/>
+              </a:rPr>
+              <a:t>git status</a:t>
+            </a:r>
+          </a:p>
+        </p:txBody>
+      </p:sp>
+      <p:pic>
+        <p:nvPicPr>
+          <p:cNvPr id="4" name="Content Placeholder 3">
+            <a:extLst>
+              <a:ext uri="{FF2B5EF4-FFF2-40B4-BE49-F238E27FC236}">
+                <a16:creationId xmlns:a16="http://schemas.microsoft.com/office/drawing/2014/main" id="{F20EC6E3-B67E-4B20-842F-BFD957AA8C08}"/>
+              </a:ext>
+            </a:extLst>
+          </p:cNvPr>
+          <p:cNvPicPr>
+            <a:picLocks noGrp="1" noChangeAspect="1"/>
+          </p:cNvPicPr>
+          <p:nvPr>
+            <p:ph idx="1"/>
+          </p:nvPr>
+        </p:nvPicPr>
+        <p:blipFill>
+          <a:blip r:embed="rId3"/>
+          <a:stretch>
+            <a:fillRect/>
+          </a:stretch>
+        </p:blipFill>
+        <p:spPr>
+          <a:xfrm>
+            <a:off x="330905" y="1466048"/>
+            <a:ext cx="11530191" cy="4580136"/>
+          </a:xfrm>
+          <a:prstGeom prst="rect">
+            <a:avLst/>
+          </a:prstGeom>
+        </p:spPr>
+      </p:pic>
+    </p:spTree>
+    <p:extLst>
+      <p:ext uri="{BB962C8B-B14F-4D97-AF65-F5344CB8AC3E}">
+        <p14:creationId xmlns:p14="http://schemas.microsoft.com/office/powerpoint/2010/main" val="2282957324"/>
+      </p:ext>
+    </p:extLst>
+  </p:cSld>
+  <p:clrMapOvr>
+    <a:masterClrMapping/>
+  </p:clrMapOvr>
+</p:sld>
+</file>
+
+<file path=ppt/slides/slide11.xml><?xml version="1.0" encoding="utf-8"?>
+<p:sld xmlns:a="http://schemas.openxmlformats.org/drawingml/2006/main" xmlns:r="http://schemas.openxmlformats.org/officeDocument/2006/relationships" xmlns:p="http://schemas.openxmlformats.org/presentationml/2006/main">
+  <p:cSld>
+    <p:spTree>
+      <p:nvGrpSpPr>
+        <p:cNvPr id="1" name=""/>
+        <p:cNvGrpSpPr/>
+        <p:nvPr/>
+      </p:nvGrpSpPr>
+      <p:grpSpPr>
+        <a:xfrm>
+          <a:off x="0" y="0"/>
+          <a:ext cx="0" cy="0"/>
+          <a:chOff x="0" y="0"/>
+          <a:chExt cx="0" cy="0"/>
+        </a:xfrm>
+      </p:grpSpPr>
+      <p:sp>
+        <p:nvSpPr>
+          <p:cNvPr id="2" name="Title 1">
+            <a:extLst>
+              <a:ext uri="{FF2B5EF4-FFF2-40B4-BE49-F238E27FC236}">
+                <a16:creationId xmlns:a16="http://schemas.microsoft.com/office/drawing/2014/main" id="{7C09AEBD-059E-47AE-9AE4-A788F4689854}"/>
+              </a:ext>
+            </a:extLst>
+          </p:cNvPr>
+          <p:cNvSpPr>
+            <a:spLocks noGrp="1"/>
+          </p:cNvSpPr>
+          <p:nvPr>
+            <p:ph type="title"/>
+          </p:nvPr>
+        </p:nvSpPr>
+        <p:spPr/>
+        <p:txBody>
+          <a:bodyPr/>
+          <a:lstStyle/>
+          <a:p>
+            <a:endParaRPr lang="en-US"/>
+          </a:p>
+        </p:txBody>
+      </p:sp>
+      <p:sp>
+        <p:nvSpPr>
+          <p:cNvPr id="3" name="Content Placeholder 2">
+            <a:extLst>
+              <a:ext uri="{FF2B5EF4-FFF2-40B4-BE49-F238E27FC236}">
+                <a16:creationId xmlns:a16="http://schemas.microsoft.com/office/drawing/2014/main" id="{2087AC4E-E22D-49C0-B75E-F0E5A1D2A609}"/>
+              </a:ext>
+            </a:extLst>
+          </p:cNvPr>
+          <p:cNvSpPr>
+            <a:spLocks noGrp="1"/>
+          </p:cNvSpPr>
+          <p:nvPr>
+            <p:ph idx="1"/>
+          </p:nvPr>
+        </p:nvSpPr>
+        <p:spPr/>
+        <p:txBody>
+          <a:bodyPr/>
+          <a:lstStyle/>
+          <a:p>
+            <a:endParaRPr lang="en-US"/>
+          </a:p>
+        </p:txBody>
+      </p:sp>
+    </p:spTree>
+    <p:extLst>
+      <p:ext uri="{BB962C8B-B14F-4D97-AF65-F5344CB8AC3E}">
+        <p14:creationId xmlns:p14="http://schemas.microsoft.com/office/powerpoint/2010/main" val="4041550317"/>
+      </p:ext>
+    </p:extLst>
+  </p:cSld>
+  <p:clrMapOvr>
+    <a:masterClrMapping/>
+  </p:clrMapOvr>
+</p:sld>
+</file>
+
+<file path=ppt/slides/slide12.xml><?xml version="1.0" encoding="utf-8"?>
+<p:sld xmlns:a="http://schemas.openxmlformats.org/drawingml/2006/main" xmlns:r="http://schemas.openxmlformats.org/officeDocument/2006/relationships" xmlns:p="http://schemas.openxmlformats.org/presentationml/2006/main">
+  <p:cSld>
+    <p:spTree>
+      <p:nvGrpSpPr>
+        <p:cNvPr id="1" name=""/>
+        <p:cNvGrpSpPr/>
+        <p:nvPr/>
+      </p:nvGrpSpPr>
+      <p:grpSpPr>
+        <a:xfrm>
+          <a:off x="0" y="0"/>
+          <a:ext cx="0" cy="0"/>
+          <a:chOff x="0" y="0"/>
+          <a:chExt cx="0" cy="0"/>
+        </a:xfrm>
+      </p:grpSpPr>
+      <p:sp>
+        <p:nvSpPr>
+          <p:cNvPr id="2" name="Title 1">
+            <a:extLst>
+              <a:ext uri="{FF2B5EF4-FFF2-40B4-BE49-F238E27FC236}">
                 <a16:creationId xmlns:a16="http://schemas.microsoft.com/office/drawing/2014/main" id="{9CA6DD6A-7E6F-423A-A6BC-B7140833132C}"/>
               </a:ext>
             </a:extLst>
@@ -4128,7 +4387,7 @@
 </p:sld>
 </file>
 
-<file path=ppt/slides/slide11.xml><?xml version="1.0" encoding="utf-8"?>
+<file path=ppt/slides/slide13.xml><?xml version="1.0" encoding="utf-8"?>
 <p:sld xmlns:a="http://schemas.openxmlformats.org/drawingml/2006/main" xmlns:r="http://schemas.openxmlformats.org/officeDocument/2006/relationships" xmlns:p="http://schemas.openxmlformats.org/presentationml/2006/main">
   <p:cSld>
     <p:spTree>
@@ -4189,7 +4448,7 @@
             <p:ph idx="1"/>
             <p:extLst>
               <p:ext uri="{D42A27DB-BD31-4B8C-83A1-F6EECF244321}">
-                <p14:modId xmlns:p14="http://schemas.microsoft.com/office/powerpoint/2010/main" val="2592321617"/>
+                <p14:modId xmlns:p14="http://schemas.microsoft.com/office/powerpoint/2010/main" val="3136148203"/>
               </p:ext>
             </p:extLst>
           </p:nvPr>
@@ -5361,7 +5620,7 @@
                         <a:rPr lang="en-US" sz="1600" dirty="0">
                           <a:latin typeface="Consolas" panose="020B0609020204030204" pitchFamily="49" charset="0"/>
                         </a:rPr>
-                        <a:t>Jamal: Dog</a:t>
+                        <a:t>Jamal: Moose</a:t>
                       </a:r>
                     </a:p>
                   </a:txBody>
@@ -5551,7 +5810,7 @@
                         <a:rPr lang="en-US" sz="1600" dirty="0">
                           <a:latin typeface="Consolas" panose="020B0609020204030204" pitchFamily="49" charset="0"/>
                         </a:rPr>
-                        <a:t>Victor: Cat</a:t>
+                        <a:t>Victor: Dolphin</a:t>
                       </a:r>
                     </a:p>
                   </a:txBody>
@@ -5982,7 +6241,7 @@
 </p:sld>
 </file>
 
-<file path=ppt/slides/slide12.xml><?xml version="1.0" encoding="utf-8"?>
+<file path=ppt/slides/slide14.xml><?xml version="1.0" encoding="utf-8"?>
 <p:sld xmlns:a="http://schemas.openxmlformats.org/drawingml/2006/main" xmlns:r="http://schemas.openxmlformats.org/officeDocument/2006/relationships" xmlns:p="http://schemas.openxmlformats.org/presentationml/2006/main">
   <p:cSld>
     <p:spTree>
@@ -6089,7 +6348,7 @@
 </p:sld>
 </file>
 
-<file path=ppt/slides/slide13.xml><?xml version="1.0" encoding="utf-8"?>
+<file path=ppt/slides/slide15.xml><?xml version="1.0" encoding="utf-8"?>
 <p:sld xmlns:a="http://schemas.openxmlformats.org/drawingml/2006/main" xmlns:r="http://schemas.openxmlformats.org/officeDocument/2006/relationships" xmlns:p="http://schemas.openxmlformats.org/presentationml/2006/main">
   <p:cSld>
     <p:spTree>
@@ -6194,7 +6453,7 @@
               <a:rPr lang="en-US" sz="1600" dirty="0">
                 <a:latin typeface="Consolas" panose="020B0609020204030204" pitchFamily="49" charset="0"/>
               </a:rPr>
-              <a:t>git –version</a:t>
+              <a:t>git --version</a:t>
             </a:r>
             <a:r>
               <a:rPr lang="en-US" dirty="0"/>
@@ -6263,7 +6522,7 @@
 </p:sld>
 </file>
 
-<file path=ppt/slides/slide14.xml><?xml version="1.0" encoding="utf-8"?>
+<file path=ppt/slides/slide16.xml><?xml version="1.0" encoding="utf-8"?>
 <p:sld xmlns:a="http://schemas.openxmlformats.org/drawingml/2006/main" xmlns:r="http://schemas.openxmlformats.org/officeDocument/2006/relationships" xmlns:p="http://schemas.openxmlformats.org/presentationml/2006/main">
   <p:cSld>
     <p:spTree>
@@ -6427,11 +6686,21 @@
               <a:rPr lang="en-US" sz="2000" dirty="0">
                 <a:latin typeface="Consolas" panose="020B0609020204030204" pitchFamily="49" charset="0"/>
               </a:rPr>
-              <a:t>animals.txt</a:t>
+              <a:t>animals</a:t>
+            </a:r>
+            <a:r>
+              <a:rPr lang="en-US" sz="2000">
+                <a:latin typeface="Consolas" panose="020B0609020204030204" pitchFamily="49" charset="0"/>
+              </a:rPr>
+              <a:t>.txt</a:t>
+            </a:r>
+            <a:r>
+              <a:rPr lang="en-US"/>
+              <a:t>”, </a:t>
             </a:r>
             <a:r>
               <a:rPr lang="en-US" dirty="0"/>
-              <a:t>,” type your favorite animal, and save</a:t>
+              <a:t>type your favorite animal, and save</a:t>
             </a:r>
           </a:p>
           <a:p>
@@ -6489,7 +6758,7 @@
               <a:rPr lang="en-US" dirty="0">
                 <a:latin typeface="Consolas" panose="020B0609020204030204" pitchFamily="49" charset="0"/>
               </a:rPr>
-              <a:t>git push</a:t>
+              <a:t>git push origin master</a:t>
             </a:r>
           </a:p>
         </p:txBody>
@@ -6508,7 +6777,7 @@
         </p:nvSpPr>
         <p:spPr>
           <a:xfrm>
-            <a:off x="4992413" y="5523187"/>
+            <a:off x="5053293" y="5992297"/>
             <a:ext cx="6300507" cy="369332"/>
           </a:xfrm>
           <a:prstGeom prst="rect">
@@ -6530,19 +6799,7 @@
               <a:rPr lang="en-US" sz="1600" dirty="0">
                 <a:latin typeface="Consolas" panose="020B0609020204030204" pitchFamily="49" charset="0"/>
               </a:rPr>
-              <a:t>git </a:t>
-            </a:r>
-            <a:r>
-              <a:rPr lang="en-US" sz="1600">
-                <a:latin typeface="Consolas" panose="020B0609020204030204" pitchFamily="49" charset="0"/>
-              </a:rPr>
-              <a:t>reset –-hard </a:t>
-            </a:r>
-            <a:r>
-              <a:rPr lang="en-US" sz="1600" dirty="0">
-                <a:latin typeface="Consolas" panose="020B0609020204030204" pitchFamily="49" charset="0"/>
-              </a:rPr>
-              <a:t>origin/master </a:t>
+              <a:t>git reset –-hard origin/master </a:t>
             </a:r>
             <a:r>
               <a:rPr lang="en-US" dirty="0"/>
@@ -6555,6 +6812,78 @@
     <p:extLst>
       <p:ext uri="{BB962C8B-B14F-4D97-AF65-F5344CB8AC3E}">
         <p14:creationId xmlns:p14="http://schemas.microsoft.com/office/powerpoint/2010/main" val="2658714516"/>
+      </p:ext>
+    </p:extLst>
+  </p:cSld>
+  <p:clrMapOvr>
+    <a:masterClrMapping/>
+  </p:clrMapOvr>
+</p:sld>
+</file>
+
+<file path=ppt/slides/slide17.xml><?xml version="1.0" encoding="utf-8"?>
+<p:sld xmlns:a="http://schemas.openxmlformats.org/drawingml/2006/main" xmlns:r="http://schemas.openxmlformats.org/officeDocument/2006/relationships" xmlns:p="http://schemas.openxmlformats.org/presentationml/2006/main">
+  <p:cSld>
+    <p:spTree>
+      <p:nvGrpSpPr>
+        <p:cNvPr id="1" name=""/>
+        <p:cNvGrpSpPr/>
+        <p:nvPr/>
+      </p:nvGrpSpPr>
+      <p:grpSpPr>
+        <a:xfrm>
+          <a:off x="0" y="0"/>
+          <a:ext cx="0" cy="0"/>
+          <a:chOff x="0" y="0"/>
+          <a:chExt cx="0" cy="0"/>
+        </a:xfrm>
+      </p:grpSpPr>
+      <p:sp>
+        <p:nvSpPr>
+          <p:cNvPr id="3" name="Content Placeholder 2">
+            <a:extLst>
+              <a:ext uri="{FF2B5EF4-FFF2-40B4-BE49-F238E27FC236}">
+                <a16:creationId xmlns:a16="http://schemas.microsoft.com/office/drawing/2014/main" id="{465A52F4-84B2-459F-BF40-7728B355036D}"/>
+              </a:ext>
+            </a:extLst>
+          </p:cNvPr>
+          <p:cNvSpPr>
+            <a:spLocks noGrp="1"/>
+          </p:cNvSpPr>
+          <p:nvPr>
+            <p:ph idx="1"/>
+          </p:nvPr>
+        </p:nvSpPr>
+        <p:spPr>
+          <a:xfrm>
+            <a:off x="838200" y="359432"/>
+            <a:ext cx="10515600" cy="4351338"/>
+          </a:xfrm>
+        </p:spPr>
+        <p:txBody>
+          <a:bodyPr>
+            <a:noAutofit/>
+          </a:bodyPr>
+          <a:lstStyle/>
+          <a:p>
+            <a:pPr marL="0" indent="0" algn="ctr">
+              <a:buNone/>
+            </a:pPr>
+            <a:r>
+              <a:rPr lang="en-US" sz="50000" dirty="0">
+                <a:latin typeface="Times New Roman" panose="02020603050405020304" pitchFamily="18" charset="0"/>
+                <a:ea typeface="Futura" panose="02020800000000000000" pitchFamily="18" charset="0"/>
+                <a:cs typeface="Times New Roman" panose="02020603050405020304" pitchFamily="18" charset="0"/>
+              </a:rPr>
+              <a:t>?</a:t>
+            </a:r>
+          </a:p>
+        </p:txBody>
+      </p:sp>
+    </p:spTree>
+    <p:extLst>
+      <p:ext uri="{BB962C8B-B14F-4D97-AF65-F5344CB8AC3E}">
+        <p14:creationId xmlns:p14="http://schemas.microsoft.com/office/powerpoint/2010/main" val="3585458190"/>
       </p:ext>
     </p:extLst>
   </p:cSld>
@@ -6767,7 +7096,9 @@
         </p:nvSpPr>
         <p:spPr/>
         <p:txBody>
-          <a:bodyPr/>
+          <a:bodyPr>
+            <a:normAutofit fontScale="85000" lnSpcReduction="20000"/>
+          </a:bodyPr>
           <a:lstStyle/>
           <a:p>
             <a:r>
@@ -6789,12 +7120,47 @@
             </a:r>
           </a:p>
           <a:p>
+            <a:pPr lvl="1"/>
+            <a:r>
+              <a:rPr lang="en-US" dirty="0"/>
+              <a:t>Bought for $7.5B</a:t>
+            </a:r>
+          </a:p>
+          <a:p>
+            <a:pPr lvl="2"/>
+            <a:r>
+              <a:rPr lang="en-US" dirty="0"/>
+              <a:t>Why? Developer relations</a:t>
+            </a:r>
+          </a:p>
+          <a:p>
+            <a:pPr lvl="2"/>
+            <a:r>
+              <a:rPr lang="en-US" dirty="0"/>
+              <a:t>Compared to Apple or Android ecosystems, Microsoft development community is lacking</a:t>
+            </a:r>
+          </a:p>
+          <a:p>
             <a:r>
               <a:rPr lang="en-US" dirty="0"/>
               <a:t>Largest host of open source code in the world</a:t>
             </a:r>
           </a:p>
           <a:p>
+            <a:pPr lvl="1"/>
+            <a:r>
+              <a:rPr lang="en-US" dirty="0"/>
+              <a:t>31 million users</a:t>
+            </a:r>
+          </a:p>
+          <a:p>
+            <a:pPr lvl="1"/>
+            <a:r>
+              <a:rPr lang="en-US" dirty="0"/>
+              <a:t>57 million repositories</a:t>
+            </a:r>
+          </a:p>
+          <a:p>
             <a:r>
               <a:rPr lang="en-US" dirty="0"/>
               <a:t>Used by individuals and businesses</a:t>
@@ -6826,10 +7192,6 @@
               <a:rPr lang="en-US" dirty="0"/>
               <a:t>Visualization</a:t>
             </a:r>
-          </a:p>
-          <a:p>
-            <a:pPr lvl="1"/>
-            <a:endParaRPr lang="en-US" dirty="0"/>
           </a:p>
         </p:txBody>
       </p:sp>
@@ -7053,7 +7415,7 @@
         </p:blipFill>
         <p:spPr>
           <a:xfrm>
-            <a:off x="838200" y="2112195"/>
+            <a:off x="859220" y="2112195"/>
             <a:ext cx="10515600" cy="2811241"/>
           </a:xfrm>
           <a:prstGeom prst="rect">
@@ -7143,7 +7505,7 @@
         </p:blipFill>
         <p:spPr>
           <a:xfrm>
-            <a:off x="838200" y="2158830"/>
+            <a:off x="827689" y="2122045"/>
             <a:ext cx="10515600" cy="2781043"/>
           </a:xfrm>
           <a:prstGeom prst="rect">
@@ -7562,7 +7924,7 @@
             <a:pPr lvl="1"/>
             <a:r>
               <a:rPr lang="en-US" dirty="0"/>
-              <a:t>Only works if local branch is in sync</a:t>
+              <a:t>Only works if local branch is in sync with yours</a:t>
             </a:r>
           </a:p>
           <a:p>

--- a/git.pptx
+++ b/git.pptx
@@ -5,7 +5,7 @@
     <p:sldMasterId id="2147483648" r:id="rId1"/>
   </p:sldMasterIdLst>
   <p:notesMasterIdLst>
-    <p:notesMasterId r:id="rId19"/>
+    <p:notesMasterId r:id="rId20"/>
   </p:notesMasterIdLst>
   <p:sldIdLst>
     <p:sldId id="256" r:id="rId2"/>
@@ -19,12 +19,13 @@
     <p:sldId id="269" r:id="rId10"/>
     <p:sldId id="276" r:id="rId11"/>
     <p:sldId id="277" r:id="rId12"/>
-    <p:sldId id="271" r:id="rId13"/>
-    <p:sldId id="272" r:id="rId14"/>
-    <p:sldId id="270" r:id="rId15"/>
-    <p:sldId id="273" r:id="rId16"/>
-    <p:sldId id="274" r:id="rId17"/>
-    <p:sldId id="275" r:id="rId18"/>
+    <p:sldId id="278" r:id="rId13"/>
+    <p:sldId id="271" r:id="rId14"/>
+    <p:sldId id="272" r:id="rId15"/>
+    <p:sldId id="270" r:id="rId16"/>
+    <p:sldId id="273" r:id="rId17"/>
+    <p:sldId id="274" r:id="rId18"/>
+    <p:sldId id="275" r:id="rId19"/>
   </p:sldIdLst>
   <p:sldSz cx="12192000" cy="6858000"/>
   <p:notesSz cx="6858000" cy="9144000"/>
@@ -857,7 +858,7 @@
           <a:p>
             <a:fld id="{67BD34EA-483A-2A4E-B788-0A151CECFF8C}" type="slidenum">
               <a:rPr lang="en-US" smtClean="0"/>
-              <a:t>13</a:t>
+              <a:t>11</a:t>
             </a:fld>
             <a:endParaRPr lang="en-US"/>
           </a:p>
@@ -866,7 +867,7 @@
     </p:spTree>
     <p:extLst>
       <p:ext uri="{BB962C8B-B14F-4D97-AF65-F5344CB8AC3E}">
-        <p14:creationId xmlns:p14="http://schemas.microsoft.com/office/powerpoint/2010/main" val="452559505"/>
+        <p14:creationId xmlns:p14="http://schemas.microsoft.com/office/powerpoint/2010/main" val="2792016360"/>
       </p:ext>
     </p:extLst>
   </p:cSld>
@@ -941,7 +942,91 @@
           <a:p>
             <a:fld id="{67BD34EA-483A-2A4E-B788-0A151CECFF8C}" type="slidenum">
               <a:rPr lang="en-US" smtClean="0"/>
-              <a:t>16</a:t>
+              <a:t>14</a:t>
+            </a:fld>
+            <a:endParaRPr lang="en-US"/>
+          </a:p>
+        </p:txBody>
+      </p:sp>
+    </p:spTree>
+    <p:extLst>
+      <p:ext uri="{BB962C8B-B14F-4D97-AF65-F5344CB8AC3E}">
+        <p14:creationId xmlns:p14="http://schemas.microsoft.com/office/powerpoint/2010/main" val="452559505"/>
+      </p:ext>
+    </p:extLst>
+  </p:cSld>
+  <p:clrMapOvr>
+    <a:masterClrMapping/>
+  </p:clrMapOvr>
+</p:notes>
+</file>
+
+<file path=ppt/notesSlides/notesSlide6.xml><?xml version="1.0" encoding="utf-8"?>
+<p:notes xmlns:a="http://schemas.openxmlformats.org/drawingml/2006/main" xmlns:r="http://schemas.openxmlformats.org/officeDocument/2006/relationships" xmlns:p="http://schemas.openxmlformats.org/presentationml/2006/main">
+  <p:cSld>
+    <p:spTree>
+      <p:nvGrpSpPr>
+        <p:cNvPr id="1" name=""/>
+        <p:cNvGrpSpPr/>
+        <p:nvPr/>
+      </p:nvGrpSpPr>
+      <p:grpSpPr>
+        <a:xfrm>
+          <a:off x="0" y="0"/>
+          <a:ext cx="0" cy="0"/>
+          <a:chOff x="0" y="0"/>
+          <a:chExt cx="0" cy="0"/>
+        </a:xfrm>
+      </p:grpSpPr>
+      <p:sp>
+        <p:nvSpPr>
+          <p:cNvPr id="2" name="Slide Image Placeholder 1"/>
+          <p:cNvSpPr>
+            <a:spLocks noGrp="1" noRot="1" noChangeAspect="1"/>
+          </p:cNvSpPr>
+          <p:nvPr>
+            <p:ph type="sldImg"/>
+          </p:nvPr>
+        </p:nvSpPr>
+        <p:spPr/>
+      </p:sp>
+      <p:sp>
+        <p:nvSpPr>
+          <p:cNvPr id="3" name="Notes Placeholder 2"/>
+          <p:cNvSpPr>
+            <a:spLocks noGrp="1"/>
+          </p:cNvSpPr>
+          <p:nvPr>
+            <p:ph type="body" idx="1"/>
+          </p:nvPr>
+        </p:nvSpPr>
+        <p:spPr/>
+        <p:txBody>
+          <a:bodyPr/>
+          <a:lstStyle/>
+          <a:p>
+            <a:endParaRPr lang="en-US" dirty="0"/>
+          </a:p>
+        </p:txBody>
+      </p:sp>
+      <p:sp>
+        <p:nvSpPr>
+          <p:cNvPr id="4" name="Slide Number Placeholder 3"/>
+          <p:cNvSpPr>
+            <a:spLocks noGrp="1"/>
+          </p:cNvSpPr>
+          <p:nvPr>
+            <p:ph type="sldNum" sz="quarter" idx="5"/>
+          </p:nvPr>
+        </p:nvSpPr>
+        <p:spPr/>
+        <p:txBody>
+          <a:bodyPr/>
+          <a:lstStyle/>
+          <a:p>
+            <a:fld id="{67BD34EA-483A-2A4E-B788-0A151CECFF8C}" type="slidenum">
+              <a:rPr lang="en-US" smtClean="0"/>
+              <a:t>17</a:t>
             </a:fld>
             <a:endParaRPr lang="en-US"/>
           </a:p>
@@ -4240,35 +4325,47 @@
           <a:bodyPr/>
           <a:lstStyle/>
           <a:p>
-            <a:endParaRPr lang="en-US"/>
-          </a:p>
-        </p:txBody>
-      </p:sp>
-      <p:sp>
-        <p:nvSpPr>
-          <p:cNvPr id="3" name="Content Placeholder 2">
+            <a:r>
+              <a:rPr lang="en-US" dirty="0">
+                <a:latin typeface="Consolas" panose="020B0609020204030204" pitchFamily="49" charset="0"/>
+              </a:rPr>
+              <a:t>git add</a:t>
+            </a:r>
+          </a:p>
+        </p:txBody>
+      </p:sp>
+      <p:pic>
+        <p:nvPicPr>
+          <p:cNvPr id="4" name="Content Placeholder 3">
             <a:extLst>
               <a:ext uri="{FF2B5EF4-FFF2-40B4-BE49-F238E27FC236}">
-                <a16:creationId xmlns:a16="http://schemas.microsoft.com/office/drawing/2014/main" id="{2087AC4E-E22D-49C0-B75E-F0E5A1D2A609}"/>
+                <a16:creationId xmlns:a16="http://schemas.microsoft.com/office/drawing/2014/main" id="{3CDB2B43-52DE-4EDC-A5F8-954E0C9E225C}"/>
               </a:ext>
             </a:extLst>
           </p:cNvPr>
-          <p:cNvSpPr>
-            <a:spLocks noGrp="1"/>
-          </p:cNvSpPr>
+          <p:cNvPicPr>
+            <a:picLocks noGrp="1" noChangeAspect="1"/>
+          </p:cNvPicPr>
           <p:nvPr>
             <p:ph idx="1"/>
           </p:nvPr>
-        </p:nvSpPr>
-        <p:spPr/>
-        <p:txBody>
-          <a:bodyPr/>
-          <a:lstStyle/>
-          <a:p>
-            <a:endParaRPr lang="en-US"/>
-          </a:p>
-        </p:txBody>
-      </p:sp>
+        </p:nvPicPr>
+        <p:blipFill>
+          <a:blip r:embed="rId3"/>
+          <a:stretch>
+            <a:fillRect/>
+          </a:stretch>
+        </p:blipFill>
+        <p:spPr>
+          <a:xfrm>
+            <a:off x="435385" y="1666261"/>
+            <a:ext cx="11321231" cy="4450760"/>
+          </a:xfrm>
+          <a:prstGeom prst="rect">
+            <a:avLst/>
+          </a:prstGeom>
+        </p:spPr>
+      </p:pic>
     </p:spTree>
     <p:extLst>
       <p:ext uri="{BB962C8B-B14F-4D97-AF65-F5344CB8AC3E}">
@@ -4283,6 +4380,97 @@
 </file>
 
 <file path=ppt/slides/slide12.xml><?xml version="1.0" encoding="utf-8"?>
+<p:sld xmlns:a="http://schemas.openxmlformats.org/drawingml/2006/main" xmlns:r="http://schemas.openxmlformats.org/officeDocument/2006/relationships" xmlns:p="http://schemas.openxmlformats.org/presentationml/2006/main">
+  <p:cSld>
+    <p:spTree>
+      <p:nvGrpSpPr>
+        <p:cNvPr id="1" name=""/>
+        <p:cNvGrpSpPr/>
+        <p:nvPr/>
+      </p:nvGrpSpPr>
+      <p:grpSpPr>
+        <a:xfrm>
+          <a:off x="0" y="0"/>
+          <a:ext cx="0" cy="0"/>
+          <a:chOff x="0" y="0"/>
+          <a:chExt cx="0" cy="0"/>
+        </a:xfrm>
+      </p:grpSpPr>
+      <p:sp>
+        <p:nvSpPr>
+          <p:cNvPr id="2" name="Title 1">
+            <a:extLst>
+              <a:ext uri="{FF2B5EF4-FFF2-40B4-BE49-F238E27FC236}">
+                <a16:creationId xmlns:a16="http://schemas.microsoft.com/office/drawing/2014/main" id="{1916359C-447A-4CFE-8E53-53F981F586CB}"/>
+              </a:ext>
+            </a:extLst>
+          </p:cNvPr>
+          <p:cNvSpPr>
+            <a:spLocks noGrp="1"/>
+          </p:cNvSpPr>
+          <p:nvPr>
+            <p:ph type="title"/>
+          </p:nvPr>
+        </p:nvSpPr>
+        <p:spPr/>
+        <p:txBody>
+          <a:bodyPr/>
+          <a:lstStyle/>
+          <a:p>
+            <a:r>
+              <a:rPr lang="en-US" dirty="0">
+                <a:latin typeface="Consolas" panose="020B0609020204030204" pitchFamily="49" charset="0"/>
+              </a:rPr>
+              <a:t>git commit/push</a:t>
+            </a:r>
+          </a:p>
+        </p:txBody>
+      </p:sp>
+      <p:pic>
+        <p:nvPicPr>
+          <p:cNvPr id="4" name="Content Placeholder 3">
+            <a:extLst>
+              <a:ext uri="{FF2B5EF4-FFF2-40B4-BE49-F238E27FC236}">
+                <a16:creationId xmlns:a16="http://schemas.microsoft.com/office/drawing/2014/main" id="{B77F9FB3-D6CD-4FC3-9900-F48BFDA5B687}"/>
+              </a:ext>
+            </a:extLst>
+          </p:cNvPr>
+          <p:cNvPicPr>
+            <a:picLocks noGrp="1" noChangeAspect="1"/>
+          </p:cNvPicPr>
+          <p:nvPr>
+            <p:ph idx="1"/>
+          </p:nvPr>
+        </p:nvPicPr>
+        <p:blipFill rotWithShape="1">
+          <a:blip r:embed="rId2"/>
+          <a:srcRect r="23304"/>
+          <a:stretch/>
+        </p:blipFill>
+        <p:spPr>
+          <a:xfrm>
+            <a:off x="830825" y="1702388"/>
+            <a:ext cx="10530351" cy="4078579"/>
+          </a:xfrm>
+          <a:prstGeom prst="rect">
+            <a:avLst/>
+          </a:prstGeom>
+        </p:spPr>
+      </p:pic>
+    </p:spTree>
+    <p:extLst>
+      <p:ext uri="{BB962C8B-B14F-4D97-AF65-F5344CB8AC3E}">
+        <p14:creationId xmlns:p14="http://schemas.microsoft.com/office/powerpoint/2010/main" val="40030546"/>
+      </p:ext>
+    </p:extLst>
+  </p:cSld>
+  <p:clrMapOvr>
+    <a:masterClrMapping/>
+  </p:clrMapOvr>
+</p:sld>
+</file>
+
+<file path=ppt/slides/slide13.xml><?xml version="1.0" encoding="utf-8"?>
 <p:sld xmlns:a="http://schemas.openxmlformats.org/drawingml/2006/main" xmlns:r="http://schemas.openxmlformats.org/officeDocument/2006/relationships" xmlns:p="http://schemas.openxmlformats.org/presentationml/2006/main">
   <p:cSld>
     <p:spTree>
@@ -4387,7 +4575,7 @@
 </p:sld>
 </file>
 
-<file path=ppt/slides/slide13.xml><?xml version="1.0" encoding="utf-8"?>
+<file path=ppt/slides/slide14.xml><?xml version="1.0" encoding="utf-8"?>
 <p:sld xmlns:a="http://schemas.openxmlformats.org/drawingml/2006/main" xmlns:r="http://schemas.openxmlformats.org/officeDocument/2006/relationships" xmlns:p="http://schemas.openxmlformats.org/presentationml/2006/main">
   <p:cSld>
     <p:spTree>
@@ -6241,7 +6429,7 @@
 </p:sld>
 </file>
 
-<file path=ppt/slides/slide14.xml><?xml version="1.0" encoding="utf-8"?>
+<file path=ppt/slides/slide15.xml><?xml version="1.0" encoding="utf-8"?>
 <p:sld xmlns:a="http://schemas.openxmlformats.org/drawingml/2006/main" xmlns:r="http://schemas.openxmlformats.org/officeDocument/2006/relationships" xmlns:p="http://schemas.openxmlformats.org/presentationml/2006/main">
   <p:cSld>
     <p:spTree>
@@ -6348,180 +6536,6 @@
 </p:sld>
 </file>
 
-<file path=ppt/slides/slide15.xml><?xml version="1.0" encoding="utf-8"?>
-<p:sld xmlns:a="http://schemas.openxmlformats.org/drawingml/2006/main" xmlns:r="http://schemas.openxmlformats.org/officeDocument/2006/relationships" xmlns:p="http://schemas.openxmlformats.org/presentationml/2006/main">
-  <p:cSld>
-    <p:spTree>
-      <p:nvGrpSpPr>
-        <p:cNvPr id="1" name=""/>
-        <p:cNvGrpSpPr/>
-        <p:nvPr/>
-      </p:nvGrpSpPr>
-      <p:grpSpPr>
-        <a:xfrm>
-          <a:off x="0" y="0"/>
-          <a:ext cx="0" cy="0"/>
-          <a:chOff x="0" y="0"/>
-          <a:chExt cx="0" cy="0"/>
-        </a:xfrm>
-      </p:grpSpPr>
-      <p:sp>
-        <p:nvSpPr>
-          <p:cNvPr id="2" name="Title 1">
-            <a:extLst>
-              <a:ext uri="{FF2B5EF4-FFF2-40B4-BE49-F238E27FC236}">
-                <a16:creationId xmlns:a16="http://schemas.microsoft.com/office/drawing/2014/main" id="{F095076A-4842-4BF2-B14F-A46A8B1596A5}"/>
-              </a:ext>
-            </a:extLst>
-          </p:cNvPr>
-          <p:cNvSpPr>
-            <a:spLocks noGrp="1"/>
-          </p:cNvSpPr>
-          <p:nvPr>
-            <p:ph type="title"/>
-          </p:nvPr>
-        </p:nvSpPr>
-        <p:spPr/>
-        <p:txBody>
-          <a:bodyPr/>
-          <a:lstStyle/>
-          <a:p>
-            <a:r>
-              <a:rPr lang="en-US" dirty="0"/>
-              <a:t>Exercise</a:t>
-            </a:r>
-          </a:p>
-        </p:txBody>
-      </p:sp>
-      <p:sp>
-        <p:nvSpPr>
-          <p:cNvPr id="3" name="Content Placeholder 2">
-            <a:extLst>
-              <a:ext uri="{FF2B5EF4-FFF2-40B4-BE49-F238E27FC236}">
-                <a16:creationId xmlns:a16="http://schemas.microsoft.com/office/drawing/2014/main" id="{BCBB2145-70CA-4FF0-AC97-A04E2F3DAB95}"/>
-              </a:ext>
-            </a:extLst>
-          </p:cNvPr>
-          <p:cNvSpPr>
-            <a:spLocks noGrp="1"/>
-          </p:cNvSpPr>
-          <p:nvPr>
-            <p:ph idx="1"/>
-          </p:nvPr>
-        </p:nvSpPr>
-        <p:spPr/>
-        <p:txBody>
-          <a:bodyPr/>
-          <a:lstStyle/>
-          <a:p>
-            <a:pPr marL="514350" indent="-514350">
-              <a:buFont typeface="+mj-lt"/>
-              <a:buAutoNum type="arabicPeriod"/>
-            </a:pPr>
-            <a:r>
-              <a:rPr lang="en-US" dirty="0"/>
-              <a:t>Install Git</a:t>
-            </a:r>
-          </a:p>
-          <a:p>
-            <a:pPr lvl="1"/>
-            <a:r>
-              <a:rPr lang="en-US" dirty="0"/>
-              <a:t>Mac: </a:t>
-            </a:r>
-          </a:p>
-          <a:p>
-            <a:pPr marL="1428750" lvl="2" indent="-514350">
-              <a:buFont typeface="+mj-lt"/>
-              <a:buAutoNum type="arabicPeriod"/>
-            </a:pPr>
-            <a:r>
-              <a:rPr lang="en-US" dirty="0"/>
-              <a:t>Open Terminal</a:t>
-            </a:r>
-          </a:p>
-          <a:p>
-            <a:pPr marL="1428750" lvl="2" indent="-514350">
-              <a:buFont typeface="+mj-lt"/>
-              <a:buAutoNum type="arabicPeriod"/>
-            </a:pPr>
-            <a:r>
-              <a:rPr lang="en-US" dirty="0"/>
-              <a:t>Type “</a:t>
-            </a:r>
-            <a:r>
-              <a:rPr lang="en-US" sz="1600" dirty="0">
-                <a:latin typeface="Consolas" panose="020B0609020204030204" pitchFamily="49" charset="0"/>
-              </a:rPr>
-              <a:t>git --version</a:t>
-            </a:r>
-            <a:r>
-              <a:rPr lang="en-US" dirty="0"/>
-              <a:t>” into command line</a:t>
-            </a:r>
-          </a:p>
-          <a:p>
-            <a:pPr marL="1428750" lvl="2" indent="-514350">
-              <a:buFont typeface="+mj-lt"/>
-              <a:buAutoNum type="arabicPeriod"/>
-            </a:pPr>
-            <a:r>
-              <a:rPr lang="en-US" dirty="0"/>
-              <a:t>Click Install</a:t>
-            </a:r>
-          </a:p>
-          <a:p>
-            <a:pPr lvl="1"/>
-            <a:r>
-              <a:rPr lang="en-US" dirty="0"/>
-              <a:t>Windows</a:t>
-            </a:r>
-          </a:p>
-          <a:p>
-            <a:pPr marL="1371600" lvl="2" indent="-457200">
-              <a:buFont typeface="+mj-lt"/>
-              <a:buAutoNum type="arabicPeriod"/>
-            </a:pPr>
-            <a:r>
-              <a:rPr lang="en-US" dirty="0"/>
-              <a:t>Go to “git-scm.com/download/win”</a:t>
-            </a:r>
-          </a:p>
-          <a:p>
-            <a:pPr marL="1371600" lvl="2" indent="-457200">
-              <a:buFont typeface="+mj-lt"/>
-              <a:buAutoNum type="arabicPeriod"/>
-            </a:pPr>
-            <a:r>
-              <a:rPr lang="en-US" dirty="0"/>
-              <a:t>Download &amp; execute the file</a:t>
-            </a:r>
-          </a:p>
-          <a:p>
-            <a:pPr marL="1371600" lvl="2" indent="-457200">
-              <a:buFont typeface="+mj-lt"/>
-              <a:buAutoNum type="arabicPeriod"/>
-            </a:pPr>
-            <a:r>
-              <a:rPr lang="en-US" dirty="0"/>
-              <a:t>Go through install wizard with default settings</a:t>
-            </a:r>
-          </a:p>
-        </p:txBody>
-      </p:sp>
-    </p:spTree>
-    <p:extLst>
-      <p:ext uri="{BB962C8B-B14F-4D97-AF65-F5344CB8AC3E}">
-        <p14:creationId xmlns:p14="http://schemas.microsoft.com/office/powerpoint/2010/main" val="1042782566"/>
-      </p:ext>
-    </p:extLst>
-  </p:cSld>
-  <p:clrMapOvr>
-    <a:masterClrMapping/>
-  </p:clrMapOvr>
-</p:sld>
-</file>
-
 <file path=ppt/slides/slide16.xml><?xml version="1.0" encoding="utf-8"?>
 <p:sld xmlns:a="http://schemas.openxmlformats.org/drawingml/2006/main" xmlns:r="http://schemas.openxmlformats.org/officeDocument/2006/relationships" xmlns:p="http://schemas.openxmlformats.org/presentationml/2006/main">
   <p:cSld>
@@ -6544,6 +6558,180 @@
           <p:cNvPr id="2" name="Title 1">
             <a:extLst>
               <a:ext uri="{FF2B5EF4-FFF2-40B4-BE49-F238E27FC236}">
+                <a16:creationId xmlns:a16="http://schemas.microsoft.com/office/drawing/2014/main" id="{F095076A-4842-4BF2-B14F-A46A8B1596A5}"/>
+              </a:ext>
+            </a:extLst>
+          </p:cNvPr>
+          <p:cNvSpPr>
+            <a:spLocks noGrp="1"/>
+          </p:cNvSpPr>
+          <p:nvPr>
+            <p:ph type="title"/>
+          </p:nvPr>
+        </p:nvSpPr>
+        <p:spPr/>
+        <p:txBody>
+          <a:bodyPr/>
+          <a:lstStyle/>
+          <a:p>
+            <a:r>
+              <a:rPr lang="en-US" dirty="0"/>
+              <a:t>Exercise</a:t>
+            </a:r>
+          </a:p>
+        </p:txBody>
+      </p:sp>
+      <p:sp>
+        <p:nvSpPr>
+          <p:cNvPr id="3" name="Content Placeholder 2">
+            <a:extLst>
+              <a:ext uri="{FF2B5EF4-FFF2-40B4-BE49-F238E27FC236}">
+                <a16:creationId xmlns:a16="http://schemas.microsoft.com/office/drawing/2014/main" id="{BCBB2145-70CA-4FF0-AC97-A04E2F3DAB95}"/>
+              </a:ext>
+            </a:extLst>
+          </p:cNvPr>
+          <p:cNvSpPr>
+            <a:spLocks noGrp="1"/>
+          </p:cNvSpPr>
+          <p:nvPr>
+            <p:ph idx="1"/>
+          </p:nvPr>
+        </p:nvSpPr>
+        <p:spPr/>
+        <p:txBody>
+          <a:bodyPr/>
+          <a:lstStyle/>
+          <a:p>
+            <a:pPr marL="514350" indent="-514350">
+              <a:buFont typeface="+mj-lt"/>
+              <a:buAutoNum type="arabicPeriod"/>
+            </a:pPr>
+            <a:r>
+              <a:rPr lang="en-US" dirty="0"/>
+              <a:t>Install Git</a:t>
+            </a:r>
+          </a:p>
+          <a:p>
+            <a:pPr lvl="1"/>
+            <a:r>
+              <a:rPr lang="en-US" dirty="0"/>
+              <a:t>Mac: </a:t>
+            </a:r>
+          </a:p>
+          <a:p>
+            <a:pPr marL="1428750" lvl="2" indent="-514350">
+              <a:buFont typeface="+mj-lt"/>
+              <a:buAutoNum type="arabicPeriod"/>
+            </a:pPr>
+            <a:r>
+              <a:rPr lang="en-US" dirty="0"/>
+              <a:t>Open Terminal</a:t>
+            </a:r>
+          </a:p>
+          <a:p>
+            <a:pPr marL="1428750" lvl="2" indent="-514350">
+              <a:buFont typeface="+mj-lt"/>
+              <a:buAutoNum type="arabicPeriod"/>
+            </a:pPr>
+            <a:r>
+              <a:rPr lang="en-US" dirty="0"/>
+              <a:t>Type “</a:t>
+            </a:r>
+            <a:r>
+              <a:rPr lang="en-US" sz="1600" dirty="0">
+                <a:latin typeface="Consolas" panose="020B0609020204030204" pitchFamily="49" charset="0"/>
+              </a:rPr>
+              <a:t>git --version</a:t>
+            </a:r>
+            <a:r>
+              <a:rPr lang="en-US" dirty="0"/>
+              <a:t>” into command line</a:t>
+            </a:r>
+          </a:p>
+          <a:p>
+            <a:pPr marL="1428750" lvl="2" indent="-514350">
+              <a:buFont typeface="+mj-lt"/>
+              <a:buAutoNum type="arabicPeriod"/>
+            </a:pPr>
+            <a:r>
+              <a:rPr lang="en-US" dirty="0"/>
+              <a:t>Click Install</a:t>
+            </a:r>
+          </a:p>
+          <a:p>
+            <a:pPr lvl="1"/>
+            <a:r>
+              <a:rPr lang="en-US" dirty="0"/>
+              <a:t>Windows</a:t>
+            </a:r>
+          </a:p>
+          <a:p>
+            <a:pPr marL="1371600" lvl="2" indent="-457200">
+              <a:buFont typeface="+mj-lt"/>
+              <a:buAutoNum type="arabicPeriod"/>
+            </a:pPr>
+            <a:r>
+              <a:rPr lang="en-US" dirty="0"/>
+              <a:t>Go to “git-scm.com/download/win”</a:t>
+            </a:r>
+          </a:p>
+          <a:p>
+            <a:pPr marL="1371600" lvl="2" indent="-457200">
+              <a:buFont typeface="+mj-lt"/>
+              <a:buAutoNum type="arabicPeriod"/>
+            </a:pPr>
+            <a:r>
+              <a:rPr lang="en-US" dirty="0"/>
+              <a:t>Download &amp; execute the file</a:t>
+            </a:r>
+          </a:p>
+          <a:p>
+            <a:pPr marL="1371600" lvl="2" indent="-457200">
+              <a:buFont typeface="+mj-lt"/>
+              <a:buAutoNum type="arabicPeriod"/>
+            </a:pPr>
+            <a:r>
+              <a:rPr lang="en-US" dirty="0"/>
+              <a:t>Go through install wizard with default settings</a:t>
+            </a:r>
+          </a:p>
+        </p:txBody>
+      </p:sp>
+    </p:spTree>
+    <p:extLst>
+      <p:ext uri="{BB962C8B-B14F-4D97-AF65-F5344CB8AC3E}">
+        <p14:creationId xmlns:p14="http://schemas.microsoft.com/office/powerpoint/2010/main" val="1042782566"/>
+      </p:ext>
+    </p:extLst>
+  </p:cSld>
+  <p:clrMapOvr>
+    <a:masterClrMapping/>
+  </p:clrMapOvr>
+</p:sld>
+</file>
+
+<file path=ppt/slides/slide17.xml><?xml version="1.0" encoding="utf-8"?>
+<p:sld xmlns:a="http://schemas.openxmlformats.org/drawingml/2006/main" xmlns:r="http://schemas.openxmlformats.org/officeDocument/2006/relationships" xmlns:p="http://schemas.openxmlformats.org/presentationml/2006/main">
+  <p:cSld>
+    <p:spTree>
+      <p:nvGrpSpPr>
+        <p:cNvPr id="1" name=""/>
+        <p:cNvGrpSpPr/>
+        <p:nvPr/>
+      </p:nvGrpSpPr>
+      <p:grpSpPr>
+        <a:xfrm>
+          <a:off x="0" y="0"/>
+          <a:ext cx="0" cy="0"/>
+          <a:chOff x="0" y="0"/>
+          <a:chExt cx="0" cy="0"/>
+        </a:xfrm>
+      </p:grpSpPr>
+      <p:sp>
+        <p:nvSpPr>
+          <p:cNvPr id="2" name="Title 1">
+            <a:extLst>
+              <a:ext uri="{FF2B5EF4-FFF2-40B4-BE49-F238E27FC236}">
                 <a16:creationId xmlns:a16="http://schemas.microsoft.com/office/drawing/2014/main" id="{3CA1DD63-8374-41E5-9CA9-051A308B220F}"/>
               </a:ext>
             </a:extLst>
@@ -6821,7 +7009,7 @@
 </p:sld>
 </file>
 
-<file path=ppt/slides/slide17.xml><?xml version="1.0" encoding="utf-8"?>
+<file path=ppt/slides/slide18.xml><?xml version="1.0" encoding="utf-8"?>
 <p:sld xmlns:a="http://schemas.openxmlformats.org/drawingml/2006/main" xmlns:r="http://schemas.openxmlformats.org/officeDocument/2006/relationships" xmlns:p="http://schemas.openxmlformats.org/presentationml/2006/main">
   <p:cSld>
     <p:spTree>
